--- a/DesktopEmulator/Emulator/Documents/Emulator compilation.pptx
+++ b/DesktopEmulator/Emulator/Documents/Emulator compilation.pptx
@@ -288,7 +288,8 @@
           <a:p>
             <a:fld id="{2F5CE93D-18B5-4B62-8911-BD6347E26FAA}" type="datetimeFigureOut">
               <a:rPr lang="es-ES" smtClean="0"/>
-              <a:t>27/07/2021</a:t>
+              <a:pPr/>
+              <a:t>22/04/2023</a:t>
             </a:fld>
             <a:endParaRPr lang="es-ES"/>
           </a:p>
@@ -330,6 +331,7 @@
           <a:p>
             <a:fld id="{E87CB322-BC57-460A-A38C-47D978ACB903}" type="slidenum">
               <a:rPr lang="es-ES" smtClean="0"/>
+              <a:pPr/>
               <a:t>‹Nº›</a:t>
             </a:fld>
             <a:endParaRPr lang="es-ES"/>
@@ -453,7 +455,8 @@
           <a:p>
             <a:fld id="{2F5CE93D-18B5-4B62-8911-BD6347E26FAA}" type="datetimeFigureOut">
               <a:rPr lang="es-ES" smtClean="0"/>
-              <a:t>27/07/2021</a:t>
+              <a:pPr/>
+              <a:t>22/04/2023</a:t>
             </a:fld>
             <a:endParaRPr lang="es-ES"/>
           </a:p>
@@ -495,6 +498,7 @@
           <a:p>
             <a:fld id="{E87CB322-BC57-460A-A38C-47D978ACB903}" type="slidenum">
               <a:rPr lang="es-ES" smtClean="0"/>
+              <a:pPr/>
               <a:t>‹Nº›</a:t>
             </a:fld>
             <a:endParaRPr lang="es-ES"/>
@@ -628,7 +632,8 @@
           <a:p>
             <a:fld id="{2F5CE93D-18B5-4B62-8911-BD6347E26FAA}" type="datetimeFigureOut">
               <a:rPr lang="es-ES" smtClean="0"/>
-              <a:t>27/07/2021</a:t>
+              <a:pPr/>
+              <a:t>22/04/2023</a:t>
             </a:fld>
             <a:endParaRPr lang="es-ES"/>
           </a:p>
@@ -670,6 +675,7 @@
           <a:p>
             <a:fld id="{E87CB322-BC57-460A-A38C-47D978ACB903}" type="slidenum">
               <a:rPr lang="es-ES" smtClean="0"/>
+              <a:pPr/>
               <a:t>‹Nº›</a:t>
             </a:fld>
             <a:endParaRPr lang="es-ES"/>
@@ -793,7 +799,8 @@
           <a:p>
             <a:fld id="{2F5CE93D-18B5-4B62-8911-BD6347E26FAA}" type="datetimeFigureOut">
               <a:rPr lang="es-ES" smtClean="0"/>
-              <a:t>27/07/2021</a:t>
+              <a:pPr/>
+              <a:t>22/04/2023</a:t>
             </a:fld>
             <a:endParaRPr lang="es-ES"/>
           </a:p>
@@ -835,6 +842,7 @@
           <a:p>
             <a:fld id="{E87CB322-BC57-460A-A38C-47D978ACB903}" type="slidenum">
               <a:rPr lang="es-ES" smtClean="0"/>
+              <a:pPr/>
               <a:t>‹Nº›</a:t>
             </a:fld>
             <a:endParaRPr lang="es-ES"/>
@@ -1034,7 +1042,8 @@
           <a:p>
             <a:fld id="{2F5CE93D-18B5-4B62-8911-BD6347E26FAA}" type="datetimeFigureOut">
               <a:rPr lang="es-ES" smtClean="0"/>
-              <a:t>27/07/2021</a:t>
+              <a:pPr/>
+              <a:t>22/04/2023</a:t>
             </a:fld>
             <a:endParaRPr lang="es-ES"/>
           </a:p>
@@ -1076,6 +1085,7 @@
           <a:p>
             <a:fld id="{E87CB322-BC57-460A-A38C-47D978ACB903}" type="slidenum">
               <a:rPr lang="es-ES" smtClean="0"/>
+              <a:pPr/>
               <a:t>‹Nº›</a:t>
             </a:fld>
             <a:endParaRPr lang="es-ES"/>
@@ -1317,7 +1327,8 @@
           <a:p>
             <a:fld id="{2F5CE93D-18B5-4B62-8911-BD6347E26FAA}" type="datetimeFigureOut">
               <a:rPr lang="es-ES" smtClean="0"/>
-              <a:t>27/07/2021</a:t>
+              <a:pPr/>
+              <a:t>22/04/2023</a:t>
             </a:fld>
             <a:endParaRPr lang="es-ES"/>
           </a:p>
@@ -1359,6 +1370,7 @@
           <a:p>
             <a:fld id="{E87CB322-BC57-460A-A38C-47D978ACB903}" type="slidenum">
               <a:rPr lang="es-ES" smtClean="0"/>
+              <a:pPr/>
               <a:t>‹Nº›</a:t>
             </a:fld>
             <a:endParaRPr lang="es-ES"/>
@@ -1734,7 +1746,8 @@
           <a:p>
             <a:fld id="{2F5CE93D-18B5-4B62-8911-BD6347E26FAA}" type="datetimeFigureOut">
               <a:rPr lang="es-ES" smtClean="0"/>
-              <a:t>27/07/2021</a:t>
+              <a:pPr/>
+              <a:t>22/04/2023</a:t>
             </a:fld>
             <a:endParaRPr lang="es-ES"/>
           </a:p>
@@ -1776,6 +1789,7 @@
           <a:p>
             <a:fld id="{E87CB322-BC57-460A-A38C-47D978ACB903}" type="slidenum">
               <a:rPr lang="es-ES" smtClean="0"/>
+              <a:pPr/>
               <a:t>‹Nº›</a:t>
             </a:fld>
             <a:endParaRPr lang="es-ES"/>
@@ -1847,7 +1861,8 @@
           <a:p>
             <a:fld id="{2F5CE93D-18B5-4B62-8911-BD6347E26FAA}" type="datetimeFigureOut">
               <a:rPr lang="es-ES" smtClean="0"/>
-              <a:t>27/07/2021</a:t>
+              <a:pPr/>
+              <a:t>22/04/2023</a:t>
             </a:fld>
             <a:endParaRPr lang="es-ES"/>
           </a:p>
@@ -1889,6 +1904,7 @@
           <a:p>
             <a:fld id="{E87CB322-BC57-460A-A38C-47D978ACB903}" type="slidenum">
               <a:rPr lang="es-ES" smtClean="0"/>
+              <a:pPr/>
               <a:t>‹Nº›</a:t>
             </a:fld>
             <a:endParaRPr lang="es-ES"/>
@@ -1937,7 +1953,8 @@
           <a:p>
             <a:fld id="{2F5CE93D-18B5-4B62-8911-BD6347E26FAA}" type="datetimeFigureOut">
               <a:rPr lang="es-ES" smtClean="0"/>
-              <a:t>27/07/2021</a:t>
+              <a:pPr/>
+              <a:t>22/04/2023</a:t>
             </a:fld>
             <a:endParaRPr lang="es-ES"/>
           </a:p>
@@ -1979,6 +1996,7 @@
           <a:p>
             <a:fld id="{E87CB322-BC57-460A-A38C-47D978ACB903}" type="slidenum">
               <a:rPr lang="es-ES" smtClean="0"/>
+              <a:pPr/>
               <a:t>‹Nº›</a:t>
             </a:fld>
             <a:endParaRPr lang="es-ES"/>
@@ -2209,7 +2227,8 @@
           <a:p>
             <a:fld id="{2F5CE93D-18B5-4B62-8911-BD6347E26FAA}" type="datetimeFigureOut">
               <a:rPr lang="es-ES" smtClean="0"/>
-              <a:t>27/07/2021</a:t>
+              <a:pPr/>
+              <a:t>22/04/2023</a:t>
             </a:fld>
             <a:endParaRPr lang="es-ES"/>
           </a:p>
@@ -2251,6 +2270,7 @@
           <a:p>
             <a:fld id="{E87CB322-BC57-460A-A38C-47D978ACB903}" type="slidenum">
               <a:rPr lang="es-ES" smtClean="0"/>
+              <a:pPr/>
               <a:t>‹Nº›</a:t>
             </a:fld>
             <a:endParaRPr lang="es-ES"/>
@@ -2457,7 +2477,8 @@
           <a:p>
             <a:fld id="{2F5CE93D-18B5-4B62-8911-BD6347E26FAA}" type="datetimeFigureOut">
               <a:rPr lang="es-ES" smtClean="0"/>
-              <a:t>27/07/2021</a:t>
+              <a:pPr/>
+              <a:t>22/04/2023</a:t>
             </a:fld>
             <a:endParaRPr lang="es-ES"/>
           </a:p>
@@ -2499,6 +2520,7 @@
           <a:p>
             <a:fld id="{E87CB322-BC57-460A-A38C-47D978ACB903}" type="slidenum">
               <a:rPr lang="es-ES" smtClean="0"/>
+              <a:pPr/>
               <a:t>‹Nº›</a:t>
             </a:fld>
             <a:endParaRPr lang="es-ES"/>
@@ -2665,7 +2687,8 @@
           <a:p>
             <a:fld id="{2F5CE93D-18B5-4B62-8911-BD6347E26FAA}" type="datetimeFigureOut">
               <a:rPr lang="es-ES" smtClean="0"/>
-              <a:t>27/07/2021</a:t>
+              <a:pPr/>
+              <a:t>22/04/2023</a:t>
             </a:fld>
             <a:endParaRPr lang="es-ES"/>
           </a:p>
@@ -2743,6 +2766,7 @@
           <a:p>
             <a:fld id="{E87CB322-BC57-460A-A38C-47D978ACB903}" type="slidenum">
               <a:rPr lang="es-ES" smtClean="0"/>
+              <a:pPr/>
               <a:t>‹Nº›</a:t>
             </a:fld>
             <a:endParaRPr lang="es-ES"/>
@@ -3327,15 +3351,7 @@
                   <a:srgbClr val="0070C0"/>
                 </a:solidFill>
               </a:rPr>
-              <a:t>Graphics</a:t>
-            </a:r>
-            <a:r>
-              <a:rPr lang="es-ES" sz="1200" smtClean="0">
-                <a:solidFill>
-                  <a:srgbClr val="0070C0"/>
-                </a:solidFill>
-              </a:rPr>
-              <a:t>:</a:t>
+              <a:t>Graphics:</a:t>
             </a:r>
           </a:p>
           <a:p>
@@ -3390,22 +3406,18 @@
                   <a:srgbClr val="0070C0"/>
                 </a:solidFill>
               </a:rPr>
-              <a:t>System</a:t>
-            </a:r>
-            <a:r>
-              <a:rPr lang="es-ES" sz="1200" smtClean="0">
-                <a:solidFill>
-                  <a:srgbClr val="0070C0"/>
-                </a:solidFill>
-              </a:rPr>
-              <a:t>:</a:t>
+              <a:t>System:</a:t>
             </a:r>
           </a:p>
           <a:p>
             <a:pPr algn="ctr"/>
             <a:r>
               <a:rPr lang="es-ES" sz="1400" smtClean="0"/>
-              <a:t>SDL2 2.0.14</a:t>
+              <a:t>SDL2 </a:t>
+            </a:r>
+            <a:r>
+              <a:rPr lang="es-ES" sz="1400" smtClean="0"/>
+              <a:t>2.26.5</a:t>
             </a:r>
             <a:endParaRPr lang="es-ES" sz="1400"/>
           </a:p>
@@ -3453,15 +3465,7 @@
                   <a:srgbClr val="0070C0"/>
                 </a:solidFill>
               </a:rPr>
-              <a:t>Images</a:t>
-            </a:r>
-            <a:r>
-              <a:rPr lang="es-ES" sz="1200" smtClean="0">
-                <a:solidFill>
-                  <a:srgbClr val="0070C0"/>
-                </a:solidFill>
-              </a:rPr>
-              <a:t>:</a:t>
+              <a:t>Images:</a:t>
             </a:r>
           </a:p>
           <a:p>
@@ -3516,15 +3520,7 @@
                   <a:srgbClr val="0070C0"/>
                 </a:solidFill>
               </a:rPr>
-              <a:t>File dialogs</a:t>
-            </a:r>
-            <a:r>
-              <a:rPr lang="es-ES" sz="1200" smtClean="0">
-                <a:solidFill>
-                  <a:srgbClr val="0070C0"/>
-                </a:solidFill>
-              </a:rPr>
-              <a:t>:</a:t>
+              <a:t>File dialogs:</a:t>
             </a:r>
           </a:p>
           <a:p>
@@ -3579,15 +3575,7 @@
                   <a:srgbClr val="0070C0"/>
                 </a:solidFill>
               </a:rPr>
-              <a:t>Graphics</a:t>
-            </a:r>
-            <a:r>
-              <a:rPr lang="es-ES" sz="1200" smtClean="0">
-                <a:solidFill>
-                  <a:srgbClr val="0070C0"/>
-                </a:solidFill>
-              </a:rPr>
-              <a:t>:</a:t>
+              <a:t>Graphics:</a:t>
             </a:r>
           </a:p>
           <a:p>
@@ -3642,15 +3630,7 @@
                   <a:srgbClr val="0070C0"/>
                 </a:solidFill>
               </a:rPr>
-              <a:t>XML</a:t>
-            </a:r>
-            <a:r>
-              <a:rPr lang="es-ES" sz="1200" smtClean="0">
-                <a:solidFill>
-                  <a:srgbClr val="0070C0"/>
-                </a:solidFill>
-              </a:rPr>
-              <a:t>:</a:t>
+              <a:t>XML:</a:t>
             </a:r>
           </a:p>
           <a:p>
@@ -3705,15 +3685,7 @@
                   <a:srgbClr val="0070C0"/>
                 </a:solidFill>
               </a:rPr>
-              <a:t>Graphics</a:t>
-            </a:r>
-            <a:r>
-              <a:rPr lang="es-ES" sz="1200" smtClean="0">
-                <a:solidFill>
-                  <a:srgbClr val="0070C0"/>
-                </a:solidFill>
-              </a:rPr>
-              <a:t>:</a:t>
+              <a:t>Graphics:</a:t>
             </a:r>
           </a:p>
           <a:p>
@@ -3768,15 +3740,7 @@
                   <a:srgbClr val="0070C0"/>
                 </a:solidFill>
               </a:rPr>
-              <a:t>GUI</a:t>
-            </a:r>
-            <a:r>
-              <a:rPr lang="es-ES" sz="1200" smtClean="0">
-                <a:solidFill>
-                  <a:srgbClr val="0070C0"/>
-                </a:solidFill>
-              </a:rPr>
-              <a:t>:</a:t>
+              <a:t>GUI:</a:t>
             </a:r>
           </a:p>
           <a:p>
@@ -3932,15 +3896,7 @@
                     <a:srgbClr val="0070C0"/>
                   </a:solidFill>
                 </a:rPr>
-                <a:t>Audio</a:t>
-              </a:r>
-              <a:r>
-                <a:rPr lang="es-ES" sz="1200" smtClean="0">
-                  <a:solidFill>
-                    <a:srgbClr val="0070C0"/>
-                  </a:solidFill>
-                </a:rPr>
-                <a:t>:</a:t>
+                <a:t>Audio:</a:t>
               </a:r>
             </a:p>
             <a:p>
@@ -3995,15 +3951,7 @@
                     <a:srgbClr val="0070C0"/>
                   </a:solidFill>
                 </a:rPr>
-                <a:t>Audio</a:t>
-              </a:r>
-              <a:r>
-                <a:rPr lang="es-ES" sz="1200" smtClean="0">
-                  <a:solidFill>
-                    <a:srgbClr val="0070C0"/>
-                  </a:solidFill>
-                </a:rPr>
-                <a:t>:</a:t>
+                <a:t>Audio:</a:t>
               </a:r>
             </a:p>
             <a:p>
@@ -4449,15 +4397,7 @@
                   <a:srgbClr val="0070C0"/>
                 </a:solidFill>
               </a:rPr>
-              <a:t>System</a:t>
-            </a:r>
-            <a:r>
-              <a:rPr lang="es-ES" sz="1200" smtClean="0">
-                <a:solidFill>
-                  <a:srgbClr val="0070C0"/>
-                </a:solidFill>
-              </a:rPr>
-              <a:t>:</a:t>
+              <a:t>System:</a:t>
             </a:r>
           </a:p>
           <a:p>

--- a/DesktopEmulator/Emulator/Documents/Emulator compilation.pptx
+++ b/DesktopEmulator/Emulator/Documents/Emulator compilation.pptx
@@ -289,7 +289,7 @@
             <a:fld id="{2F5CE93D-18B5-4B62-8911-BD6347E26FAA}" type="datetimeFigureOut">
               <a:rPr lang="es-ES" smtClean="0"/>
               <a:pPr/>
-              <a:t>22/04/2023</a:t>
+              <a:t>03/02/2025</a:t>
             </a:fld>
             <a:endParaRPr lang="es-ES"/>
           </a:p>
@@ -456,7 +456,7 @@
             <a:fld id="{2F5CE93D-18B5-4B62-8911-BD6347E26FAA}" type="datetimeFigureOut">
               <a:rPr lang="es-ES" smtClean="0"/>
               <a:pPr/>
-              <a:t>22/04/2023</a:t>
+              <a:t>03/02/2025</a:t>
             </a:fld>
             <a:endParaRPr lang="es-ES"/>
           </a:p>
@@ -633,7 +633,7 @@
             <a:fld id="{2F5CE93D-18B5-4B62-8911-BD6347E26FAA}" type="datetimeFigureOut">
               <a:rPr lang="es-ES" smtClean="0"/>
               <a:pPr/>
-              <a:t>22/04/2023</a:t>
+              <a:t>03/02/2025</a:t>
             </a:fld>
             <a:endParaRPr lang="es-ES"/>
           </a:p>
@@ -800,7 +800,7 @@
             <a:fld id="{2F5CE93D-18B5-4B62-8911-BD6347E26FAA}" type="datetimeFigureOut">
               <a:rPr lang="es-ES" smtClean="0"/>
               <a:pPr/>
-              <a:t>22/04/2023</a:t>
+              <a:t>03/02/2025</a:t>
             </a:fld>
             <a:endParaRPr lang="es-ES"/>
           </a:p>
@@ -1043,7 +1043,7 @@
             <a:fld id="{2F5CE93D-18B5-4B62-8911-BD6347E26FAA}" type="datetimeFigureOut">
               <a:rPr lang="es-ES" smtClean="0"/>
               <a:pPr/>
-              <a:t>22/04/2023</a:t>
+              <a:t>03/02/2025</a:t>
             </a:fld>
             <a:endParaRPr lang="es-ES"/>
           </a:p>
@@ -1328,7 +1328,7 @@
             <a:fld id="{2F5CE93D-18B5-4B62-8911-BD6347E26FAA}" type="datetimeFigureOut">
               <a:rPr lang="es-ES" smtClean="0"/>
               <a:pPr/>
-              <a:t>22/04/2023</a:t>
+              <a:t>03/02/2025</a:t>
             </a:fld>
             <a:endParaRPr lang="es-ES"/>
           </a:p>
@@ -1747,7 +1747,7 @@
             <a:fld id="{2F5CE93D-18B5-4B62-8911-BD6347E26FAA}" type="datetimeFigureOut">
               <a:rPr lang="es-ES" smtClean="0"/>
               <a:pPr/>
-              <a:t>22/04/2023</a:t>
+              <a:t>03/02/2025</a:t>
             </a:fld>
             <a:endParaRPr lang="es-ES"/>
           </a:p>
@@ -1862,7 +1862,7 @@
             <a:fld id="{2F5CE93D-18B5-4B62-8911-BD6347E26FAA}" type="datetimeFigureOut">
               <a:rPr lang="es-ES" smtClean="0"/>
               <a:pPr/>
-              <a:t>22/04/2023</a:t>
+              <a:t>03/02/2025</a:t>
             </a:fld>
             <a:endParaRPr lang="es-ES"/>
           </a:p>
@@ -1954,7 +1954,7 @@
             <a:fld id="{2F5CE93D-18B5-4B62-8911-BD6347E26FAA}" type="datetimeFigureOut">
               <a:rPr lang="es-ES" smtClean="0"/>
               <a:pPr/>
-              <a:t>22/04/2023</a:t>
+              <a:t>03/02/2025</a:t>
             </a:fld>
             <a:endParaRPr lang="es-ES"/>
           </a:p>
@@ -2228,7 +2228,7 @@
             <a:fld id="{2F5CE93D-18B5-4B62-8911-BD6347E26FAA}" type="datetimeFigureOut">
               <a:rPr lang="es-ES" smtClean="0"/>
               <a:pPr/>
-              <a:t>22/04/2023</a:t>
+              <a:t>03/02/2025</a:t>
             </a:fld>
             <a:endParaRPr lang="es-ES"/>
           </a:p>
@@ -2478,7 +2478,7 @@
             <a:fld id="{2F5CE93D-18B5-4B62-8911-BD6347E26FAA}" type="datetimeFigureOut">
               <a:rPr lang="es-ES" smtClean="0"/>
               <a:pPr/>
-              <a:t>22/04/2023</a:t>
+              <a:t>03/02/2025</a:t>
             </a:fld>
             <a:endParaRPr lang="es-ES"/>
           </a:p>
@@ -2688,7 +2688,7 @@
             <a:fld id="{2F5CE93D-18B5-4B62-8911-BD6347E26FAA}" type="datetimeFigureOut">
               <a:rPr lang="es-ES" smtClean="0"/>
               <a:pPr/>
-              <a:t>22/04/2023</a:t>
+              <a:t>03/02/2025</a:t>
             </a:fld>
             <a:endParaRPr lang="es-ES"/>
           </a:p>
@@ -3067,8 +3067,8 @@
         </p:nvSpPr>
         <p:spPr>
           <a:xfrm>
-            <a:off x="395536" y="-891480"/>
-            <a:ext cx="8208912" cy="7749480"/>
+            <a:off x="395536" y="260648"/>
+            <a:ext cx="8208912" cy="6408712"/>
           </a:xfrm>
           <a:prstGeom prst="rect">
             <a:avLst/>
@@ -3105,7 +3105,7 @@
         </p:nvSpPr>
         <p:spPr>
           <a:xfrm>
-            <a:off x="2411760" y="4293096"/>
+            <a:off x="2411760" y="4149080"/>
             <a:ext cx="1944216" cy="2160240"/>
           </a:xfrm>
           <a:prstGeom prst="roundRect">
@@ -3156,8 +3156,8 @@
         </p:nvSpPr>
         <p:spPr>
           <a:xfrm>
-            <a:off x="755576" y="836712"/>
-            <a:ext cx="3600400" cy="3168352"/>
+            <a:off x="755576" y="1988840"/>
+            <a:ext cx="3600400" cy="1800200"/>
           </a:xfrm>
           <a:prstGeom prst="roundRect">
             <a:avLst>
@@ -3207,7 +3207,7 @@
         </p:nvSpPr>
         <p:spPr>
           <a:xfrm>
-            <a:off x="6948264" y="2564904"/>
+            <a:off x="6948264" y="3068960"/>
             <a:ext cx="1296144" cy="425698"/>
           </a:xfrm>
           <a:prstGeom prst="roundRect">
@@ -3262,7 +3262,7 @@
         </p:nvSpPr>
         <p:spPr>
           <a:xfrm>
-            <a:off x="5148064" y="2564904"/>
+            <a:off x="5148064" y="3068960"/>
             <a:ext cx="1296144" cy="425698"/>
           </a:xfrm>
           <a:prstGeom prst="roundRect">
@@ -3317,7 +3317,7 @@
         </p:nvSpPr>
         <p:spPr>
           <a:xfrm>
-            <a:off x="2771800" y="2564904"/>
+            <a:off x="2771800" y="3068960"/>
             <a:ext cx="1296144" cy="425698"/>
           </a:xfrm>
           <a:prstGeom prst="roundRect">
@@ -3372,7 +3372,7 @@
         </p:nvSpPr>
         <p:spPr>
           <a:xfrm>
-            <a:off x="2771800" y="1772816"/>
+            <a:off x="2771800" y="2276872"/>
             <a:ext cx="1296144" cy="425698"/>
           </a:xfrm>
           <a:prstGeom prst="roundRect">
@@ -3413,11 +3413,7 @@
             <a:pPr algn="ctr"/>
             <a:r>
               <a:rPr lang="es-ES" sz="1400" smtClean="0"/>
-              <a:t>SDL2 </a:t>
-            </a:r>
-            <a:r>
-              <a:rPr lang="es-ES" sz="1400" smtClean="0"/>
-              <a:t>2.26.5</a:t>
+              <a:t>SDL2 2.26.5</a:t>
             </a:r>
             <a:endParaRPr lang="es-ES" sz="1400"/>
           </a:p>
@@ -3431,7 +3427,7 @@
         </p:nvSpPr>
         <p:spPr>
           <a:xfrm>
-            <a:off x="2699792" y="5157192"/>
+            <a:off x="2699792" y="5013176"/>
             <a:ext cx="1296144" cy="425698"/>
           </a:xfrm>
           <a:prstGeom prst="roundRect">
@@ -3486,7 +3482,7 @@
         </p:nvSpPr>
         <p:spPr>
           <a:xfrm>
-            <a:off x="2699792" y="5805264"/>
+            <a:off x="2699792" y="5661248"/>
             <a:ext cx="1296144" cy="425698"/>
           </a:xfrm>
           <a:prstGeom prst="roundRect">
@@ -3541,7 +3537,7 @@
         </p:nvSpPr>
         <p:spPr>
           <a:xfrm>
-            <a:off x="971600" y="2564904"/>
+            <a:off x="971600" y="3068960"/>
             <a:ext cx="1296144" cy="425698"/>
           </a:xfrm>
           <a:prstGeom prst="roundRect">
@@ -3596,7 +3592,7 @@
         </p:nvSpPr>
         <p:spPr>
           <a:xfrm>
-            <a:off x="2699792" y="4509120"/>
+            <a:off x="2699792" y="4365104"/>
             <a:ext cx="1296144" cy="425698"/>
           </a:xfrm>
           <a:prstGeom prst="roundRect">
@@ -3637,7 +3633,11 @@
             <a:pPr algn="ctr"/>
             <a:r>
               <a:rPr lang="es-ES" sz="1400" smtClean="0"/>
-              <a:t>tinyxml2 7.1.0</a:t>
+              <a:t>tinyxml2 </a:t>
+            </a:r>
+            <a:r>
+              <a:rPr lang="es-ES" sz="1400" smtClean="0"/>
+              <a:t>10.0</a:t>
             </a:r>
             <a:endParaRPr lang="es-ES" sz="1400"/>
           </a:p>
@@ -3645,13 +3645,13 @@
       </p:sp>
       <p:sp>
         <p:nvSpPr>
-          <p:cNvPr id="14" name="13 Rectángulo redondeado"/>
+          <p:cNvPr id="22" name="21 Rectángulo redondeado"/>
           <p:cNvSpPr/>
           <p:nvPr/>
         </p:nvSpPr>
         <p:spPr>
           <a:xfrm>
-            <a:off x="971600" y="3356992"/>
+            <a:off x="971600" y="2276872"/>
             <a:ext cx="1296144" cy="425698"/>
           </a:xfrm>
           <a:prstGeom prst="roundRect">
@@ -3685,61 +3685,6 @@
                   <a:srgbClr val="0070C0"/>
                 </a:solidFill>
               </a:rPr>
-              <a:t>Graphics:</a:t>
-            </a:r>
-          </a:p>
-          <a:p>
-            <a:pPr algn="ctr"/>
-            <a:r>
-              <a:rPr lang="es-ES" sz="1400" smtClean="0"/>
-              <a:t>freeglut 3.2.1</a:t>
-            </a:r>
-            <a:endParaRPr lang="es-ES" sz="1400"/>
-          </a:p>
-        </p:txBody>
-      </p:sp>
-      <p:sp>
-        <p:nvSpPr>
-          <p:cNvPr id="22" name="21 Rectángulo redondeado"/>
-          <p:cNvSpPr/>
-          <p:nvPr/>
-        </p:nvSpPr>
-        <p:spPr>
-          <a:xfrm>
-            <a:off x="971600" y="1772816"/>
-            <a:ext cx="1296144" cy="425698"/>
-          </a:xfrm>
-          <a:prstGeom prst="roundRect">
-            <a:avLst>
-              <a:gd name="adj" fmla="val 10396"/>
-            </a:avLst>
-          </a:prstGeom>
-        </p:spPr>
-        <p:style>
-          <a:lnRef idx="2">
-            <a:schemeClr val="dk1"/>
-          </a:lnRef>
-          <a:fillRef idx="1">
-            <a:schemeClr val="lt1"/>
-          </a:fillRef>
-          <a:effectRef idx="0">
-            <a:schemeClr val="dk1"/>
-          </a:effectRef>
-          <a:fontRef idx="minor">
-            <a:schemeClr val="dk1"/>
-          </a:fontRef>
-        </p:style>
-        <p:txBody>
-          <a:bodyPr rtlCol="0" anchor="ctr"/>
-          <a:lstStyle/>
-          <a:p>
-            <a:pPr algn="ctr"/>
-            <a:r>
-              <a:rPr lang="es-ES" sz="1200" smtClean="0">
-                <a:solidFill>
-                  <a:srgbClr val="0070C0"/>
-                </a:solidFill>
-              </a:rPr>
               <a:t>GUI:</a:t>
             </a:r>
           </a:p>
@@ -3764,7 +3709,7 @@
         </p:nvCxnSpPr>
         <p:spPr>
           <a:xfrm>
-            <a:off x="6444208" y="2777753"/>
+            <a:off x="6444208" y="3281809"/>
             <a:ext cx="504056" cy="0"/>
           </a:xfrm>
           <a:prstGeom prst="straightConnector1">
@@ -3797,7 +3742,7 @@
         </p:nvGrpSpPr>
         <p:grpSpPr>
           <a:xfrm>
-            <a:off x="755576" y="-459432"/>
+            <a:off x="755576" y="620688"/>
             <a:ext cx="3600400" cy="1008112"/>
             <a:chOff x="755576" y="332656"/>
             <a:chExt cx="3600400" cy="1008112"/>
@@ -4003,42 +3948,6 @@
       </p:grpSp>
       <p:cxnSp>
         <p:nvCxnSpPr>
-          <p:cNvPr id="42" name="41 Forma"/>
-          <p:cNvCxnSpPr>
-            <a:stCxn id="14" idx="3"/>
-            <a:endCxn id="7" idx="2"/>
-          </p:cNvCxnSpPr>
-          <p:nvPr/>
-        </p:nvCxnSpPr>
-        <p:spPr>
-          <a:xfrm flipV="1">
-            <a:off x="2267744" y="2990602"/>
-            <a:ext cx="1152128" cy="579239"/>
-          </a:xfrm>
-          <a:prstGeom prst="bentConnector2">
-            <a:avLst/>
-          </a:prstGeom>
-          <a:ln w="28575">
-            <a:tailEnd type="arrow"/>
-          </a:ln>
-        </p:spPr>
-        <p:style>
-          <a:lnRef idx="1">
-            <a:schemeClr val="accent1"/>
-          </a:lnRef>
-          <a:fillRef idx="0">
-            <a:schemeClr val="accent1"/>
-          </a:fillRef>
-          <a:effectRef idx="0">
-            <a:schemeClr val="accent1"/>
-          </a:effectRef>
-          <a:fontRef idx="minor">
-            <a:schemeClr val="tx1"/>
-          </a:fontRef>
-        </p:style>
-      </p:cxnSp>
-      <p:cxnSp>
-        <p:nvCxnSpPr>
           <p:cNvPr id="46" name="45 Conector recto de flecha"/>
           <p:cNvCxnSpPr>
             <a:stCxn id="22" idx="3"/>
@@ -4048,7 +3957,7 @@
         </p:nvCxnSpPr>
         <p:spPr>
           <a:xfrm>
-            <a:off x="2267744" y="1985665"/>
+            <a:off x="2267744" y="2489721"/>
             <a:ext cx="504056" cy="0"/>
           </a:xfrm>
           <a:prstGeom prst="straightConnector1">
@@ -4081,7 +3990,7 @@
         </p:nvCxnSpPr>
         <p:spPr>
           <a:xfrm>
-            <a:off x="2267744" y="2132856"/>
+            <a:off x="2267744" y="2636912"/>
             <a:ext cx="504056" cy="432048"/>
           </a:xfrm>
           <a:prstGeom prst="straightConnector1">
@@ -4117,7 +4026,7 @@
         </p:nvCxnSpPr>
         <p:spPr>
           <a:xfrm>
-            <a:off x="2267744" y="2777753"/>
+            <a:off x="2267744" y="3281809"/>
             <a:ext cx="504056" cy="0"/>
           </a:xfrm>
           <a:prstGeom prst="straightConnector1">
@@ -4153,8 +4062,8 @@
         </p:nvCxnSpPr>
         <p:spPr>
           <a:xfrm>
-            <a:off x="4067944" y="41449"/>
-            <a:ext cx="1728192" cy="2523455"/>
+            <a:off x="4067944" y="1121569"/>
+            <a:ext cx="1728192" cy="1947391"/>
           </a:xfrm>
           <a:prstGeom prst="bentConnector2">
             <a:avLst/>
@@ -4186,7 +4095,7 @@
         </p:nvCxnSpPr>
         <p:spPr>
           <a:xfrm>
-            <a:off x="4067944" y="1988840"/>
+            <a:off x="4067944" y="2492896"/>
             <a:ext cx="1440160" cy="576064"/>
           </a:xfrm>
           <a:prstGeom prst="bentConnector3">
@@ -4224,7 +4133,7 @@
         </p:nvCxnSpPr>
         <p:spPr>
           <a:xfrm>
-            <a:off x="4067944" y="2777753"/>
+            <a:off x="4067944" y="3281809"/>
             <a:ext cx="1080120" cy="0"/>
           </a:xfrm>
           <a:prstGeom prst="straightConnector1">
@@ -4259,11 +4168,13 @@
         </p:nvCxnSpPr>
         <p:spPr>
           <a:xfrm flipV="1">
-            <a:off x="3995936" y="2996952"/>
-            <a:ext cx="1512168" cy="1725017"/>
+            <a:off x="3995936" y="3501008"/>
+            <a:ext cx="1512168" cy="1076945"/>
           </a:xfrm>
-          <a:prstGeom prst="bentConnector2">
-            <a:avLst/>
+          <a:prstGeom prst="bentConnector3">
+            <a:avLst>
+              <a:gd name="adj1" fmla="val 100076"/>
+            </a:avLst>
           </a:prstGeom>
           <a:ln w="28575">
             <a:tailEnd type="arrow"/>
@@ -4295,8 +4206,8 @@
         </p:nvCxnSpPr>
         <p:spPr>
           <a:xfrm flipV="1">
-            <a:off x="3995936" y="2990602"/>
-            <a:ext cx="1800200" cy="2379439"/>
+            <a:off x="3995936" y="3494658"/>
+            <a:ext cx="1800200" cy="1731367"/>
           </a:xfrm>
           <a:prstGeom prst="bentConnector2">
             <a:avLst/>
@@ -4330,99 +4241,8 @@
         </p:nvCxnSpPr>
         <p:spPr>
           <a:xfrm flipV="1">
-            <a:off x="3995936" y="2996952"/>
-            <a:ext cx="2088232" cy="3021161"/>
-          </a:xfrm>
-          <a:prstGeom prst="bentConnector2">
-            <a:avLst/>
-          </a:prstGeom>
-          <a:ln w="28575">
-            <a:tailEnd type="arrow"/>
-          </a:ln>
-        </p:spPr>
-        <p:style>
-          <a:lnRef idx="1">
-            <a:schemeClr val="accent1"/>
-          </a:lnRef>
-          <a:fillRef idx="0">
-            <a:schemeClr val="accent1"/>
-          </a:fillRef>
-          <a:effectRef idx="0">
-            <a:schemeClr val="accent1"/>
-          </a:effectRef>
-          <a:fontRef idx="minor">
-            <a:schemeClr val="tx1"/>
-          </a:fontRef>
-        </p:style>
-      </p:cxnSp>
-      <p:sp>
-        <p:nvSpPr>
-          <p:cNvPr id="73" name="72 Rectángulo redondeado"/>
-          <p:cNvSpPr/>
-          <p:nvPr/>
-        </p:nvSpPr>
-        <p:spPr>
-          <a:xfrm>
-            <a:off x="971600" y="980728"/>
-            <a:ext cx="1512168" cy="425698"/>
-          </a:xfrm>
-          <a:prstGeom prst="roundRect">
-            <a:avLst>
-              <a:gd name="adj" fmla="val 10396"/>
-            </a:avLst>
-          </a:prstGeom>
-        </p:spPr>
-        <p:style>
-          <a:lnRef idx="2">
-            <a:schemeClr val="dk1"/>
-          </a:lnRef>
-          <a:fillRef idx="1">
-            <a:schemeClr val="lt1"/>
-          </a:fillRef>
-          <a:effectRef idx="0">
-            <a:schemeClr val="dk1"/>
-          </a:effectRef>
-          <a:fontRef idx="minor">
-            <a:schemeClr val="dk1"/>
-          </a:fontRef>
-        </p:style>
-        <p:txBody>
-          <a:bodyPr rtlCol="0" anchor="ctr"/>
-          <a:lstStyle/>
-          <a:p>
-            <a:pPr algn="ctr"/>
-            <a:r>
-              <a:rPr lang="es-ES" sz="1200" smtClean="0">
-                <a:solidFill>
-                  <a:srgbClr val="0070C0"/>
-                </a:solidFill>
-              </a:rPr>
-              <a:t>System:</a:t>
-            </a:r>
-          </a:p>
-          <a:p>
-            <a:pPr algn="ctr"/>
-            <a:r>
-              <a:rPr lang="es-ES" sz="1400" smtClean="0"/>
-              <a:t>SDL2-image  2.0.5</a:t>
-            </a:r>
-            <a:endParaRPr lang="es-ES" sz="1400"/>
-          </a:p>
-        </p:txBody>
-      </p:sp>
-      <p:cxnSp>
-        <p:nvCxnSpPr>
-          <p:cNvPr id="74" name="73 Forma"/>
-          <p:cNvCxnSpPr>
-            <a:stCxn id="73" idx="3"/>
-            <a:endCxn id="9" idx="0"/>
-          </p:cNvCxnSpPr>
-          <p:nvPr/>
-        </p:nvCxnSpPr>
-        <p:spPr>
-          <a:xfrm>
-            <a:off x="2483768" y="1193577"/>
-            <a:ext cx="936104" cy="579239"/>
+            <a:off x="3995936" y="3501008"/>
+            <a:ext cx="2088232" cy="2373089"/>
           </a:xfrm>
           <a:prstGeom prst="bentConnector2">
             <a:avLst/>

--- a/DesktopEmulator/Emulator/Documents/Emulator compilation.pptx
+++ b/DesktopEmulator/Emulator/Documents/Emulator compilation.pptx
@@ -104,6 +104,22 @@
       </a:defRPr>
     </a:lvl9pPr>
   </p:defaultTextStyle>
+  <p:extLst>
+    <p:ext uri="{EFAFB233-063F-42B5-8137-9DF3F51BA10A}">
+      <p15:sldGuideLst xmlns:p15="http://schemas.microsoft.com/office/powerpoint/2012/main">
+        <p15:guide id="1" orient="horz" pos="2160">
+          <p15:clr>
+            <a:srgbClr val="A4A3A4"/>
+          </p15:clr>
+        </p15:guide>
+        <p15:guide id="2" pos="2880">
+          <p15:clr>
+            <a:srgbClr val="A4A3A4"/>
+          </p15:clr>
+        </p15:guide>
+      </p15:sldGuideLst>
+    </p:ext>
+  </p:extLst>
 </p:presentation>
 </file>
 
@@ -145,10 +161,9 @@
           <a:lstStyle/>
           <a:p>
             <a:r>
-              <a:rPr lang="es-ES" smtClean="0"/>
+              <a:rPr lang="es-ES"/>
               <a:t>Haga clic para modificar el estilo de título del patrón</a:t>
             </a:r>
-            <a:endParaRPr lang="es-ES"/>
           </a:p>
         </p:txBody>
       </p:sp>
@@ -264,10 +279,9 @@
           </a:lstStyle>
           <a:p>
             <a:r>
-              <a:rPr lang="es-ES" smtClean="0"/>
+              <a:rPr lang="es-ES"/>
               <a:t>Haga clic para modificar el estilo de subtítulo del patrón</a:t>
             </a:r>
-            <a:endParaRPr lang="es-ES"/>
           </a:p>
         </p:txBody>
       </p:sp>
@@ -289,7 +303,7 @@
             <a:fld id="{2F5CE93D-18B5-4B62-8911-BD6347E26FAA}" type="datetimeFigureOut">
               <a:rPr lang="es-ES" smtClean="0"/>
               <a:pPr/>
-              <a:t>03/02/2025</a:t>
+              <a:t>28/10/2025</a:t>
             </a:fld>
             <a:endParaRPr lang="es-ES"/>
           </a:p>
@@ -379,10 +393,9 @@
           <a:lstStyle/>
           <a:p>
             <a:r>
-              <a:rPr lang="es-ES" smtClean="0"/>
+              <a:rPr lang="es-ES"/>
               <a:t>Haga clic para modificar el estilo de título del patrón</a:t>
             </a:r>
-            <a:endParaRPr lang="es-ES"/>
           </a:p>
         </p:txBody>
       </p:sp>
@@ -403,38 +416,37 @@
           <a:p>
             <a:pPr lvl="0"/>
             <a:r>
-              <a:rPr lang="es-ES" smtClean="0"/>
+              <a:rPr lang="es-ES"/>
               <a:t>Haga clic para modificar el estilo de texto del patrón</a:t>
             </a:r>
           </a:p>
           <a:p>
             <a:pPr lvl="1"/>
             <a:r>
-              <a:rPr lang="es-ES" smtClean="0"/>
+              <a:rPr lang="es-ES"/>
               <a:t>Segundo nivel</a:t>
             </a:r>
           </a:p>
           <a:p>
             <a:pPr lvl="2"/>
             <a:r>
-              <a:rPr lang="es-ES" smtClean="0"/>
+              <a:rPr lang="es-ES"/>
               <a:t>Tercer nivel</a:t>
             </a:r>
           </a:p>
           <a:p>
             <a:pPr lvl="3"/>
             <a:r>
-              <a:rPr lang="es-ES" smtClean="0"/>
+              <a:rPr lang="es-ES"/>
               <a:t>Cuarto nivel</a:t>
             </a:r>
           </a:p>
           <a:p>
             <a:pPr lvl="4"/>
             <a:r>
-              <a:rPr lang="es-ES" smtClean="0"/>
+              <a:rPr lang="es-ES"/>
               <a:t>Quinto nivel</a:t>
             </a:r>
-            <a:endParaRPr lang="es-ES"/>
           </a:p>
         </p:txBody>
       </p:sp>
@@ -456,7 +468,7 @@
             <a:fld id="{2F5CE93D-18B5-4B62-8911-BD6347E26FAA}" type="datetimeFigureOut">
               <a:rPr lang="es-ES" smtClean="0"/>
               <a:pPr/>
-              <a:t>03/02/2025</a:t>
+              <a:t>28/10/2025</a:t>
             </a:fld>
             <a:endParaRPr lang="es-ES"/>
           </a:p>
@@ -551,10 +563,9 @@
           <a:lstStyle/>
           <a:p>
             <a:r>
-              <a:rPr lang="es-ES" smtClean="0"/>
+              <a:rPr lang="es-ES"/>
               <a:t>Haga clic para modificar el estilo de título del patrón</a:t>
             </a:r>
-            <a:endParaRPr lang="es-ES"/>
           </a:p>
         </p:txBody>
       </p:sp>
@@ -580,38 +591,37 @@
           <a:p>
             <a:pPr lvl="0"/>
             <a:r>
-              <a:rPr lang="es-ES" smtClean="0"/>
+              <a:rPr lang="es-ES"/>
               <a:t>Haga clic para modificar el estilo de texto del patrón</a:t>
             </a:r>
           </a:p>
           <a:p>
             <a:pPr lvl="1"/>
             <a:r>
-              <a:rPr lang="es-ES" smtClean="0"/>
+              <a:rPr lang="es-ES"/>
               <a:t>Segundo nivel</a:t>
             </a:r>
           </a:p>
           <a:p>
             <a:pPr lvl="2"/>
             <a:r>
-              <a:rPr lang="es-ES" smtClean="0"/>
+              <a:rPr lang="es-ES"/>
               <a:t>Tercer nivel</a:t>
             </a:r>
           </a:p>
           <a:p>
             <a:pPr lvl="3"/>
             <a:r>
-              <a:rPr lang="es-ES" smtClean="0"/>
+              <a:rPr lang="es-ES"/>
               <a:t>Cuarto nivel</a:t>
             </a:r>
           </a:p>
           <a:p>
             <a:pPr lvl="4"/>
             <a:r>
-              <a:rPr lang="es-ES" smtClean="0"/>
+              <a:rPr lang="es-ES"/>
               <a:t>Quinto nivel</a:t>
             </a:r>
-            <a:endParaRPr lang="es-ES"/>
           </a:p>
         </p:txBody>
       </p:sp>
@@ -633,7 +643,7 @@
             <a:fld id="{2F5CE93D-18B5-4B62-8911-BD6347E26FAA}" type="datetimeFigureOut">
               <a:rPr lang="es-ES" smtClean="0"/>
               <a:pPr/>
-              <a:t>03/02/2025</a:t>
+              <a:t>28/10/2025</a:t>
             </a:fld>
             <a:endParaRPr lang="es-ES"/>
           </a:p>
@@ -723,10 +733,9 @@
           <a:lstStyle/>
           <a:p>
             <a:r>
-              <a:rPr lang="es-ES" smtClean="0"/>
+              <a:rPr lang="es-ES"/>
               <a:t>Haga clic para modificar el estilo de título del patrón</a:t>
             </a:r>
-            <a:endParaRPr lang="es-ES"/>
           </a:p>
         </p:txBody>
       </p:sp>
@@ -747,38 +756,37 @@
           <a:p>
             <a:pPr lvl="0"/>
             <a:r>
-              <a:rPr lang="es-ES" smtClean="0"/>
+              <a:rPr lang="es-ES"/>
               <a:t>Haga clic para modificar el estilo de texto del patrón</a:t>
             </a:r>
           </a:p>
           <a:p>
             <a:pPr lvl="1"/>
             <a:r>
-              <a:rPr lang="es-ES" smtClean="0"/>
+              <a:rPr lang="es-ES"/>
               <a:t>Segundo nivel</a:t>
             </a:r>
           </a:p>
           <a:p>
             <a:pPr lvl="2"/>
             <a:r>
-              <a:rPr lang="es-ES" smtClean="0"/>
+              <a:rPr lang="es-ES"/>
               <a:t>Tercer nivel</a:t>
             </a:r>
           </a:p>
           <a:p>
             <a:pPr lvl="3"/>
             <a:r>
-              <a:rPr lang="es-ES" smtClean="0"/>
+              <a:rPr lang="es-ES"/>
               <a:t>Cuarto nivel</a:t>
             </a:r>
           </a:p>
           <a:p>
             <a:pPr lvl="4"/>
             <a:r>
-              <a:rPr lang="es-ES" smtClean="0"/>
+              <a:rPr lang="es-ES"/>
               <a:t>Quinto nivel</a:t>
             </a:r>
-            <a:endParaRPr lang="es-ES"/>
           </a:p>
         </p:txBody>
       </p:sp>
@@ -800,7 +808,7 @@
             <a:fld id="{2F5CE93D-18B5-4B62-8911-BD6347E26FAA}" type="datetimeFigureOut">
               <a:rPr lang="es-ES" smtClean="0"/>
               <a:pPr/>
-              <a:t>03/02/2025</a:t>
+              <a:t>28/10/2025</a:t>
             </a:fld>
             <a:endParaRPr lang="es-ES"/>
           </a:p>
@@ -899,10 +907,9 @@
           </a:lstStyle>
           <a:p>
             <a:r>
-              <a:rPr lang="es-ES" smtClean="0"/>
+              <a:rPr lang="es-ES"/>
               <a:t>Haga clic para modificar el estilo de título del patrón</a:t>
             </a:r>
-            <a:endParaRPr lang="es-ES"/>
           </a:p>
         </p:txBody>
       </p:sp>
@@ -1019,7 +1026,7 @@
           <a:p>
             <a:pPr lvl="0"/>
             <a:r>
-              <a:rPr lang="es-ES" smtClean="0"/>
+              <a:rPr lang="es-ES"/>
               <a:t>Haga clic para modificar el estilo de texto del patrón</a:t>
             </a:r>
           </a:p>
@@ -1043,7 +1050,7 @@
             <a:fld id="{2F5CE93D-18B5-4B62-8911-BD6347E26FAA}" type="datetimeFigureOut">
               <a:rPr lang="es-ES" smtClean="0"/>
               <a:pPr/>
-              <a:t>03/02/2025</a:t>
+              <a:t>28/10/2025</a:t>
             </a:fld>
             <a:endParaRPr lang="es-ES"/>
           </a:p>
@@ -1133,10 +1140,9 @@
           <a:lstStyle/>
           <a:p>
             <a:r>
-              <a:rPr lang="es-ES" smtClean="0"/>
+              <a:rPr lang="es-ES"/>
               <a:t>Haga clic para modificar el estilo de título del patrón</a:t>
             </a:r>
-            <a:endParaRPr lang="es-ES"/>
           </a:p>
         </p:txBody>
       </p:sp>
@@ -1190,38 +1196,37 @@
           <a:p>
             <a:pPr lvl="0"/>
             <a:r>
-              <a:rPr lang="es-ES" smtClean="0"/>
+              <a:rPr lang="es-ES"/>
               <a:t>Haga clic para modificar el estilo de texto del patrón</a:t>
             </a:r>
           </a:p>
           <a:p>
             <a:pPr lvl="1"/>
             <a:r>
-              <a:rPr lang="es-ES" smtClean="0"/>
+              <a:rPr lang="es-ES"/>
               <a:t>Segundo nivel</a:t>
             </a:r>
           </a:p>
           <a:p>
             <a:pPr lvl="2"/>
             <a:r>
-              <a:rPr lang="es-ES" smtClean="0"/>
+              <a:rPr lang="es-ES"/>
               <a:t>Tercer nivel</a:t>
             </a:r>
           </a:p>
           <a:p>
             <a:pPr lvl="3"/>
             <a:r>
-              <a:rPr lang="es-ES" smtClean="0"/>
+              <a:rPr lang="es-ES"/>
               <a:t>Cuarto nivel</a:t>
             </a:r>
           </a:p>
           <a:p>
             <a:pPr lvl="4"/>
             <a:r>
-              <a:rPr lang="es-ES" smtClean="0"/>
+              <a:rPr lang="es-ES"/>
               <a:t>Quinto nivel</a:t>
             </a:r>
-            <a:endParaRPr lang="es-ES"/>
           </a:p>
         </p:txBody>
       </p:sp>
@@ -1275,38 +1280,37 @@
           <a:p>
             <a:pPr lvl="0"/>
             <a:r>
-              <a:rPr lang="es-ES" smtClean="0"/>
+              <a:rPr lang="es-ES"/>
               <a:t>Haga clic para modificar el estilo de texto del patrón</a:t>
             </a:r>
           </a:p>
           <a:p>
             <a:pPr lvl="1"/>
             <a:r>
-              <a:rPr lang="es-ES" smtClean="0"/>
+              <a:rPr lang="es-ES"/>
               <a:t>Segundo nivel</a:t>
             </a:r>
           </a:p>
           <a:p>
             <a:pPr lvl="2"/>
             <a:r>
-              <a:rPr lang="es-ES" smtClean="0"/>
+              <a:rPr lang="es-ES"/>
               <a:t>Tercer nivel</a:t>
             </a:r>
           </a:p>
           <a:p>
             <a:pPr lvl="3"/>
             <a:r>
-              <a:rPr lang="es-ES" smtClean="0"/>
+              <a:rPr lang="es-ES"/>
               <a:t>Cuarto nivel</a:t>
             </a:r>
           </a:p>
           <a:p>
             <a:pPr lvl="4"/>
             <a:r>
-              <a:rPr lang="es-ES" smtClean="0"/>
+              <a:rPr lang="es-ES"/>
               <a:t>Quinto nivel</a:t>
             </a:r>
-            <a:endParaRPr lang="es-ES"/>
           </a:p>
         </p:txBody>
       </p:sp>
@@ -1328,7 +1332,7 @@
             <a:fld id="{2F5CE93D-18B5-4B62-8911-BD6347E26FAA}" type="datetimeFigureOut">
               <a:rPr lang="es-ES" smtClean="0"/>
               <a:pPr/>
-              <a:t>03/02/2025</a:t>
+              <a:t>28/10/2025</a:t>
             </a:fld>
             <a:endParaRPr lang="es-ES"/>
           </a:p>
@@ -1422,10 +1426,9 @@
           </a:lstStyle>
           <a:p>
             <a:r>
-              <a:rPr lang="es-ES" smtClean="0"/>
+              <a:rPr lang="es-ES"/>
               <a:t>Haga clic para modificar el estilo de título del patrón</a:t>
             </a:r>
-            <a:endParaRPr lang="es-ES"/>
           </a:p>
         </p:txBody>
       </p:sp>
@@ -1488,7 +1491,7 @@
           <a:p>
             <a:pPr lvl="0"/>
             <a:r>
-              <a:rPr lang="es-ES" smtClean="0"/>
+              <a:rPr lang="es-ES"/>
               <a:t>Haga clic para modificar el estilo de texto del patrón</a:t>
             </a:r>
           </a:p>
@@ -1544,38 +1547,37 @@
           <a:p>
             <a:pPr lvl="0"/>
             <a:r>
-              <a:rPr lang="es-ES" smtClean="0"/>
+              <a:rPr lang="es-ES"/>
               <a:t>Haga clic para modificar el estilo de texto del patrón</a:t>
             </a:r>
           </a:p>
           <a:p>
             <a:pPr lvl="1"/>
             <a:r>
-              <a:rPr lang="es-ES" smtClean="0"/>
+              <a:rPr lang="es-ES"/>
               <a:t>Segundo nivel</a:t>
             </a:r>
           </a:p>
           <a:p>
             <a:pPr lvl="2"/>
             <a:r>
-              <a:rPr lang="es-ES" smtClean="0"/>
+              <a:rPr lang="es-ES"/>
               <a:t>Tercer nivel</a:t>
             </a:r>
           </a:p>
           <a:p>
             <a:pPr lvl="3"/>
             <a:r>
-              <a:rPr lang="es-ES" smtClean="0"/>
+              <a:rPr lang="es-ES"/>
               <a:t>Cuarto nivel</a:t>
             </a:r>
           </a:p>
           <a:p>
             <a:pPr lvl="4"/>
             <a:r>
-              <a:rPr lang="es-ES" smtClean="0"/>
+              <a:rPr lang="es-ES"/>
               <a:t>Quinto nivel</a:t>
             </a:r>
-            <a:endParaRPr lang="es-ES"/>
           </a:p>
         </p:txBody>
       </p:sp>
@@ -1638,7 +1640,7 @@
           <a:p>
             <a:pPr lvl="0"/>
             <a:r>
-              <a:rPr lang="es-ES" smtClean="0"/>
+              <a:rPr lang="es-ES"/>
               <a:t>Haga clic para modificar el estilo de texto del patrón</a:t>
             </a:r>
           </a:p>
@@ -1694,38 +1696,37 @@
           <a:p>
             <a:pPr lvl="0"/>
             <a:r>
-              <a:rPr lang="es-ES" smtClean="0"/>
+              <a:rPr lang="es-ES"/>
               <a:t>Haga clic para modificar el estilo de texto del patrón</a:t>
             </a:r>
           </a:p>
           <a:p>
             <a:pPr lvl="1"/>
             <a:r>
-              <a:rPr lang="es-ES" smtClean="0"/>
+              <a:rPr lang="es-ES"/>
               <a:t>Segundo nivel</a:t>
             </a:r>
           </a:p>
           <a:p>
             <a:pPr lvl="2"/>
             <a:r>
-              <a:rPr lang="es-ES" smtClean="0"/>
+              <a:rPr lang="es-ES"/>
               <a:t>Tercer nivel</a:t>
             </a:r>
           </a:p>
           <a:p>
             <a:pPr lvl="3"/>
             <a:r>
-              <a:rPr lang="es-ES" smtClean="0"/>
+              <a:rPr lang="es-ES"/>
               <a:t>Cuarto nivel</a:t>
             </a:r>
           </a:p>
           <a:p>
             <a:pPr lvl="4"/>
             <a:r>
-              <a:rPr lang="es-ES" smtClean="0"/>
+              <a:rPr lang="es-ES"/>
               <a:t>Quinto nivel</a:t>
             </a:r>
-            <a:endParaRPr lang="es-ES"/>
           </a:p>
         </p:txBody>
       </p:sp>
@@ -1747,7 +1748,7 @@
             <a:fld id="{2F5CE93D-18B5-4B62-8911-BD6347E26FAA}" type="datetimeFigureOut">
               <a:rPr lang="es-ES" smtClean="0"/>
               <a:pPr/>
-              <a:t>03/02/2025</a:t>
+              <a:t>28/10/2025</a:t>
             </a:fld>
             <a:endParaRPr lang="es-ES"/>
           </a:p>
@@ -1837,10 +1838,9 @@
           <a:lstStyle/>
           <a:p>
             <a:r>
-              <a:rPr lang="es-ES" smtClean="0"/>
+              <a:rPr lang="es-ES"/>
               <a:t>Haga clic para modificar el estilo de título del patrón</a:t>
             </a:r>
-            <a:endParaRPr lang="es-ES"/>
           </a:p>
         </p:txBody>
       </p:sp>
@@ -1862,7 +1862,7 @@
             <a:fld id="{2F5CE93D-18B5-4B62-8911-BD6347E26FAA}" type="datetimeFigureOut">
               <a:rPr lang="es-ES" smtClean="0"/>
               <a:pPr/>
-              <a:t>03/02/2025</a:t>
+              <a:t>28/10/2025</a:t>
             </a:fld>
             <a:endParaRPr lang="es-ES"/>
           </a:p>
@@ -1954,7 +1954,7 @@
             <a:fld id="{2F5CE93D-18B5-4B62-8911-BD6347E26FAA}" type="datetimeFigureOut">
               <a:rPr lang="es-ES" smtClean="0"/>
               <a:pPr/>
-              <a:t>03/02/2025</a:t>
+              <a:t>28/10/2025</a:t>
             </a:fld>
             <a:endParaRPr lang="es-ES"/>
           </a:p>
@@ -2053,10 +2053,9 @@
           </a:lstStyle>
           <a:p>
             <a:r>
-              <a:rPr lang="es-ES" smtClean="0"/>
+              <a:rPr lang="es-ES"/>
               <a:t>Haga clic para modificar el estilo de título del patrón</a:t>
             </a:r>
-            <a:endParaRPr lang="es-ES"/>
           </a:p>
         </p:txBody>
       </p:sp>
@@ -2110,38 +2109,37 @@
           <a:p>
             <a:pPr lvl="0"/>
             <a:r>
-              <a:rPr lang="es-ES" smtClean="0"/>
+              <a:rPr lang="es-ES"/>
               <a:t>Haga clic para modificar el estilo de texto del patrón</a:t>
             </a:r>
           </a:p>
           <a:p>
             <a:pPr lvl="1"/>
             <a:r>
-              <a:rPr lang="es-ES" smtClean="0"/>
+              <a:rPr lang="es-ES"/>
               <a:t>Segundo nivel</a:t>
             </a:r>
           </a:p>
           <a:p>
             <a:pPr lvl="2"/>
             <a:r>
-              <a:rPr lang="es-ES" smtClean="0"/>
+              <a:rPr lang="es-ES"/>
               <a:t>Tercer nivel</a:t>
             </a:r>
           </a:p>
           <a:p>
             <a:pPr lvl="3"/>
             <a:r>
-              <a:rPr lang="es-ES" smtClean="0"/>
+              <a:rPr lang="es-ES"/>
               <a:t>Cuarto nivel</a:t>
             </a:r>
           </a:p>
           <a:p>
             <a:pPr lvl="4"/>
             <a:r>
-              <a:rPr lang="es-ES" smtClean="0"/>
+              <a:rPr lang="es-ES"/>
               <a:t>Quinto nivel</a:t>
             </a:r>
-            <a:endParaRPr lang="es-ES"/>
           </a:p>
         </p:txBody>
       </p:sp>
@@ -2204,7 +2202,7 @@
           <a:p>
             <a:pPr lvl="0"/>
             <a:r>
-              <a:rPr lang="es-ES" smtClean="0"/>
+              <a:rPr lang="es-ES"/>
               <a:t>Haga clic para modificar el estilo de texto del patrón</a:t>
             </a:r>
           </a:p>
@@ -2228,7 +2226,7 @@
             <a:fld id="{2F5CE93D-18B5-4B62-8911-BD6347E26FAA}" type="datetimeFigureOut">
               <a:rPr lang="es-ES" smtClean="0"/>
               <a:pPr/>
-              <a:t>03/02/2025</a:t>
+              <a:t>28/10/2025</a:t>
             </a:fld>
             <a:endParaRPr lang="es-ES"/>
           </a:p>
@@ -2327,10 +2325,9 @@
           </a:lstStyle>
           <a:p>
             <a:r>
-              <a:rPr lang="es-ES" smtClean="0"/>
+              <a:rPr lang="es-ES"/>
               <a:t>Haga clic para modificar el estilo de título del patrón</a:t>
             </a:r>
-            <a:endParaRPr lang="es-ES"/>
           </a:p>
         </p:txBody>
       </p:sp>
@@ -2454,7 +2451,7 @@
           <a:p>
             <a:pPr lvl="0"/>
             <a:r>
-              <a:rPr lang="es-ES" smtClean="0"/>
+              <a:rPr lang="es-ES"/>
               <a:t>Haga clic para modificar el estilo de texto del patrón</a:t>
             </a:r>
           </a:p>
@@ -2478,7 +2475,7 @@
             <a:fld id="{2F5CE93D-18B5-4B62-8911-BD6347E26FAA}" type="datetimeFigureOut">
               <a:rPr lang="es-ES" smtClean="0"/>
               <a:pPr/>
-              <a:t>03/02/2025</a:t>
+              <a:t>28/10/2025</a:t>
             </a:fld>
             <a:endParaRPr lang="es-ES"/>
           </a:p>
@@ -2583,10 +2580,9 @@
           <a:lstStyle/>
           <a:p>
             <a:r>
-              <a:rPr lang="es-ES" smtClean="0"/>
+              <a:rPr lang="es-ES"/>
               <a:t>Haga clic para modificar el estilo de título del patrón</a:t>
             </a:r>
-            <a:endParaRPr lang="es-ES"/>
           </a:p>
         </p:txBody>
       </p:sp>
@@ -2617,38 +2613,37 @@
           <a:p>
             <a:pPr lvl="0"/>
             <a:r>
-              <a:rPr lang="es-ES" smtClean="0"/>
+              <a:rPr lang="es-ES"/>
               <a:t>Haga clic para modificar el estilo de texto del patrón</a:t>
             </a:r>
           </a:p>
           <a:p>
             <a:pPr lvl="1"/>
             <a:r>
-              <a:rPr lang="es-ES" smtClean="0"/>
+              <a:rPr lang="es-ES"/>
               <a:t>Segundo nivel</a:t>
             </a:r>
           </a:p>
           <a:p>
             <a:pPr lvl="2"/>
             <a:r>
-              <a:rPr lang="es-ES" smtClean="0"/>
+              <a:rPr lang="es-ES"/>
               <a:t>Tercer nivel</a:t>
             </a:r>
           </a:p>
           <a:p>
             <a:pPr lvl="3"/>
             <a:r>
-              <a:rPr lang="es-ES" smtClean="0"/>
+              <a:rPr lang="es-ES"/>
               <a:t>Cuarto nivel</a:t>
             </a:r>
           </a:p>
           <a:p>
             <a:pPr lvl="4"/>
             <a:r>
-              <a:rPr lang="es-ES" smtClean="0"/>
+              <a:rPr lang="es-ES"/>
               <a:t>Quinto nivel</a:t>
             </a:r>
-            <a:endParaRPr lang="es-ES"/>
           </a:p>
         </p:txBody>
       </p:sp>
@@ -2688,7 +2683,7 @@
             <a:fld id="{2F5CE93D-18B5-4B62-8911-BD6347E26FAA}" type="datetimeFigureOut">
               <a:rPr lang="es-ES" smtClean="0"/>
               <a:pPr/>
-              <a:t>03/02/2025</a:t>
+              <a:t>28/10/2025</a:t>
             </a:fld>
             <a:endParaRPr lang="es-ES"/>
           </a:p>
@@ -3067,8 +3062,8 @@
         </p:nvSpPr>
         <p:spPr>
           <a:xfrm>
-            <a:off x="395536" y="260648"/>
-            <a:ext cx="8208912" cy="6408712"/>
+            <a:off x="395536" y="404664"/>
+            <a:ext cx="8208912" cy="5037385"/>
           </a:xfrm>
           <a:prstGeom prst="rect">
             <a:avLst/>
@@ -3105,7 +3100,7 @@
         </p:nvSpPr>
         <p:spPr>
           <a:xfrm>
-            <a:off x="2411760" y="4149080"/>
+            <a:off x="2411760" y="2921770"/>
             <a:ext cx="1944216" cy="2160240"/>
           </a:xfrm>
           <a:prstGeom prst="roundRect">
@@ -3156,7 +3151,7 @@
         </p:nvSpPr>
         <p:spPr>
           <a:xfrm>
-            <a:off x="755576" y="1988840"/>
+            <a:off x="755576" y="761530"/>
             <a:ext cx="3600400" cy="1800200"/>
           </a:xfrm>
           <a:prstGeom prst="roundRect">
@@ -3207,7 +3202,7 @@
         </p:nvSpPr>
         <p:spPr>
           <a:xfrm>
-            <a:off x="6948264" y="3068960"/>
+            <a:off x="6948264" y="1841650"/>
             <a:ext cx="1296144" cy="425698"/>
           </a:xfrm>
           <a:prstGeom prst="roundRect">
@@ -3236,7 +3231,7 @@
           <a:p>
             <a:pPr algn="ctr"/>
             <a:r>
-              <a:rPr lang="es-ES" sz="1200" smtClean="0">
+              <a:rPr lang="es-ES" sz="1200">
                 <a:solidFill>
                   <a:srgbClr val="0070C0"/>
                 </a:solidFill>
@@ -3247,10 +3242,9 @@
           <a:p>
             <a:pPr algn="ctr"/>
             <a:r>
-              <a:rPr lang="es-ES" sz="1400" smtClean="0"/>
+              <a:rPr lang="es-ES" sz="1400"/>
               <a:t>C++ 11</a:t>
             </a:r>
-            <a:endParaRPr lang="es-ES" sz="1400"/>
           </a:p>
         </p:txBody>
       </p:sp>
@@ -3262,7 +3256,7 @@
         </p:nvSpPr>
         <p:spPr>
           <a:xfrm>
-            <a:off x="5148064" y="3068960"/>
+            <a:off x="5148064" y="1841650"/>
             <a:ext cx="1296144" cy="425698"/>
           </a:xfrm>
           <a:prstGeom prst="roundRect">
@@ -3291,21 +3285,32 @@
           <a:p>
             <a:pPr algn="ctr"/>
             <a:r>
-              <a:rPr lang="es-ES" sz="1200" smtClean="0">
+              <a:rPr lang="es-ES" sz="1200" err="1">
                 <a:solidFill>
                   <a:srgbClr val="0070C0"/>
                 </a:solidFill>
               </a:rPr>
-              <a:t>Compiler:</a:t>
+              <a:t>Compiler</a:t>
+            </a:r>
+            <a:r>
+              <a:rPr lang="es-ES" sz="1200">
+                <a:solidFill>
+                  <a:srgbClr val="0070C0"/>
+                </a:solidFill>
+              </a:rPr>
+              <a:t>:</a:t>
             </a:r>
           </a:p>
           <a:p>
             <a:pPr algn="ctr"/>
             <a:r>
-              <a:rPr lang="es-ES" sz="1400" smtClean="0"/>
-              <a:t>gcc 10.2.0</a:t>
-            </a:r>
-            <a:endParaRPr lang="es-ES" sz="1400"/>
+              <a:rPr lang="es-ES" sz="1400" err="1"/>
+              <a:t>gcc</a:t>
+            </a:r>
+            <a:r>
+              <a:rPr lang="es-ES" sz="1400"/>
+              <a:t> 15.2.0</a:t>
+            </a:r>
           </a:p>
         </p:txBody>
       </p:sp>
@@ -3317,7 +3322,7 @@
         </p:nvSpPr>
         <p:spPr>
           <a:xfrm>
-            <a:off x="2771800" y="3068960"/>
+            <a:off x="2771800" y="1841650"/>
             <a:ext cx="1296144" cy="425698"/>
           </a:xfrm>
           <a:prstGeom prst="roundRect">
@@ -3346,7 +3351,7 @@
           <a:p>
             <a:pPr algn="ctr"/>
             <a:r>
-              <a:rPr lang="es-ES" sz="1200" smtClean="0">
+              <a:rPr lang="es-ES" sz="1200">
                 <a:solidFill>
                   <a:srgbClr val="0070C0"/>
                 </a:solidFill>
@@ -3357,10 +3362,9 @@
           <a:p>
             <a:pPr algn="ctr"/>
             <a:r>
-              <a:rPr lang="es-ES" sz="1400" smtClean="0"/>
+              <a:rPr lang="es-ES" sz="1400"/>
               <a:t>OpenGL 3.0</a:t>
             </a:r>
-            <a:endParaRPr lang="es-ES" sz="1400"/>
           </a:p>
         </p:txBody>
       </p:sp>
@@ -3372,7 +3376,7 @@
         </p:nvSpPr>
         <p:spPr>
           <a:xfrm>
-            <a:off x="2771800" y="2276872"/>
+            <a:off x="2771800" y="1049562"/>
             <a:ext cx="1296144" cy="425698"/>
           </a:xfrm>
           <a:prstGeom prst="roundRect">
@@ -3401,7 +3405,7 @@
           <a:p>
             <a:pPr algn="ctr"/>
             <a:r>
-              <a:rPr lang="es-ES" sz="1200" smtClean="0">
+              <a:rPr lang="es-ES" sz="1200">
                 <a:solidFill>
                   <a:srgbClr val="0070C0"/>
                 </a:solidFill>
@@ -3412,10 +3416,9 @@
           <a:p>
             <a:pPr algn="ctr"/>
             <a:r>
-              <a:rPr lang="es-ES" sz="1400" smtClean="0"/>
-              <a:t>SDL2 2.26.5</a:t>
-            </a:r>
-            <a:endParaRPr lang="es-ES" sz="1400"/>
+              <a:rPr lang="es-ES" sz="1400"/>
+              <a:t>SDL2 2.32.10</a:t>
+            </a:r>
           </a:p>
         </p:txBody>
       </p:sp>
@@ -3427,7 +3430,7 @@
         </p:nvSpPr>
         <p:spPr>
           <a:xfrm>
-            <a:off x="2699792" y="5013176"/>
+            <a:off x="2699792" y="3785866"/>
             <a:ext cx="1296144" cy="425698"/>
           </a:xfrm>
           <a:prstGeom prst="roundRect">
@@ -3456,21 +3459,32 @@
           <a:p>
             <a:pPr algn="ctr"/>
             <a:r>
-              <a:rPr lang="es-ES" sz="1200" smtClean="0">
+              <a:rPr lang="es-ES" sz="1200" err="1">
                 <a:solidFill>
                   <a:srgbClr val="0070C0"/>
                 </a:solidFill>
               </a:rPr>
-              <a:t>Images:</a:t>
+              <a:t>Images</a:t>
+            </a:r>
+            <a:r>
+              <a:rPr lang="es-ES" sz="1200">
+                <a:solidFill>
+                  <a:srgbClr val="0070C0"/>
+                </a:solidFill>
+              </a:rPr>
+              <a:t>:</a:t>
             </a:r>
           </a:p>
           <a:p>
             <a:pPr algn="ctr"/>
             <a:r>
-              <a:rPr lang="es-ES" sz="1400" smtClean="0"/>
-              <a:t>libpng 1.6.37</a:t>
-            </a:r>
-            <a:endParaRPr lang="es-ES" sz="1400"/>
+              <a:rPr lang="es-ES" sz="1400" err="1"/>
+              <a:t>libpng</a:t>
+            </a:r>
+            <a:r>
+              <a:rPr lang="es-ES" sz="1400"/>
+              <a:t> 1.6.50</a:t>
+            </a:r>
           </a:p>
         </p:txBody>
       </p:sp>
@@ -3482,7 +3496,7 @@
         </p:nvSpPr>
         <p:spPr>
           <a:xfrm>
-            <a:off x="2699792" y="5661248"/>
+            <a:off x="2699792" y="4433938"/>
             <a:ext cx="1296144" cy="425698"/>
           </a:xfrm>
           <a:prstGeom prst="roundRect">
@@ -3511,7 +3525,7 @@
           <a:p>
             <a:pPr algn="ctr"/>
             <a:r>
-              <a:rPr lang="es-ES" sz="1200" smtClean="0">
+              <a:rPr lang="es-ES" sz="1200">
                 <a:solidFill>
                   <a:srgbClr val="0070C0"/>
                 </a:solidFill>
@@ -3522,10 +3536,9 @@
           <a:p>
             <a:pPr algn="ctr"/>
             <a:r>
-              <a:rPr lang="es-ES" sz="1400" smtClean="0"/>
+              <a:rPr lang="es-ES" sz="1400"/>
               <a:t>osdialog</a:t>
             </a:r>
-            <a:endParaRPr lang="es-ES" sz="1400"/>
           </a:p>
         </p:txBody>
       </p:sp>
@@ -3537,7 +3550,7 @@
         </p:nvSpPr>
         <p:spPr>
           <a:xfrm>
-            <a:off x="971600" y="3068960"/>
+            <a:off x="971600" y="1841650"/>
             <a:ext cx="1296144" cy="425698"/>
           </a:xfrm>
           <a:prstGeom prst="roundRect">
@@ -3566,21 +3579,32 @@
           <a:p>
             <a:pPr algn="ctr"/>
             <a:r>
-              <a:rPr lang="es-ES" sz="1200" smtClean="0">
+              <a:rPr lang="es-ES" sz="1200" err="1">
                 <a:solidFill>
                   <a:srgbClr val="0070C0"/>
                 </a:solidFill>
               </a:rPr>
-              <a:t>Graphics:</a:t>
+              <a:t>Graphics</a:t>
+            </a:r>
+            <a:r>
+              <a:rPr lang="es-ES" sz="1200">
+                <a:solidFill>
+                  <a:srgbClr val="0070C0"/>
+                </a:solidFill>
+              </a:rPr>
+              <a:t>:</a:t>
             </a:r>
           </a:p>
           <a:p>
             <a:pPr algn="ctr"/>
             <a:r>
-              <a:rPr lang="es-ES" sz="1400" smtClean="0"/>
-              <a:t>glad 0.1.28</a:t>
-            </a:r>
-            <a:endParaRPr lang="es-ES" sz="1400"/>
+              <a:rPr lang="es-ES" sz="1400" err="1"/>
+              <a:t>glad</a:t>
+            </a:r>
+            <a:r>
+              <a:rPr lang="es-ES" sz="1400"/>
+              <a:t> 0.1.35</a:t>
+            </a:r>
           </a:p>
         </p:txBody>
       </p:sp>
@@ -3592,7 +3616,7 @@
         </p:nvSpPr>
         <p:spPr>
           <a:xfrm>
-            <a:off x="2699792" y="4365104"/>
+            <a:off x="2699792" y="3137794"/>
             <a:ext cx="1296144" cy="425698"/>
           </a:xfrm>
           <a:prstGeom prst="roundRect">
@@ -3621,7 +3645,7 @@
           <a:p>
             <a:pPr algn="ctr"/>
             <a:r>
-              <a:rPr lang="es-ES" sz="1200" smtClean="0">
+              <a:rPr lang="es-ES" sz="1200">
                 <a:solidFill>
                   <a:srgbClr val="0070C0"/>
                 </a:solidFill>
@@ -3632,14 +3656,9 @@
           <a:p>
             <a:pPr algn="ctr"/>
             <a:r>
-              <a:rPr lang="es-ES" sz="1400" smtClean="0"/>
-              <a:t>tinyxml2 </a:t>
-            </a:r>
-            <a:r>
-              <a:rPr lang="es-ES" sz="1400" smtClean="0"/>
-              <a:t>10.0</a:t>
-            </a:r>
-            <a:endParaRPr lang="es-ES" sz="1400"/>
+              <a:rPr lang="es-ES" sz="1400"/>
+              <a:t>tinyxml2</a:t>
+            </a:r>
           </a:p>
         </p:txBody>
       </p:sp>
@@ -3651,7 +3670,7 @@
         </p:nvSpPr>
         <p:spPr>
           <a:xfrm>
-            <a:off x="971600" y="2276872"/>
+            <a:off x="971600" y="1049562"/>
             <a:ext cx="1296144" cy="425698"/>
           </a:xfrm>
           <a:prstGeom prst="roundRect">
@@ -3680,7 +3699,7 @@
           <a:p>
             <a:pPr algn="ctr"/>
             <a:r>
-              <a:rPr lang="es-ES" sz="1200" smtClean="0">
+              <a:rPr lang="es-ES" sz="1200">
                 <a:solidFill>
                   <a:srgbClr val="0070C0"/>
                 </a:solidFill>
@@ -3691,10 +3710,13 @@
           <a:p>
             <a:pPr algn="ctr"/>
             <a:r>
-              <a:rPr lang="es-ES" sz="1400" smtClean="0"/>
-              <a:t>imgui 3.2.1</a:t>
-            </a:r>
-            <a:endParaRPr lang="es-ES" sz="1400"/>
+              <a:rPr lang="es-ES" sz="1400" err="1"/>
+              <a:t>imgui</a:t>
+            </a:r>
+            <a:r>
+              <a:rPr lang="es-ES" sz="1400"/>
+              <a:t> 1.83</a:t>
+            </a:r>
           </a:p>
         </p:txBody>
       </p:sp>
@@ -3709,7 +3731,7 @@
         </p:nvCxnSpPr>
         <p:spPr>
           <a:xfrm>
-            <a:off x="6444208" y="3281809"/>
+            <a:off x="6444208" y="2054499"/>
             <a:ext cx="504056" cy="0"/>
           </a:xfrm>
           <a:prstGeom prst="straightConnector1">
@@ -3734,218 +3756,6 @@
           </a:fontRef>
         </p:style>
       </p:cxnSp>
-      <p:grpSp>
-        <p:nvGrpSpPr>
-          <p:cNvPr id="72" name="71 Grupo"/>
-          <p:cNvGrpSpPr/>
-          <p:nvPr/>
-        </p:nvGrpSpPr>
-        <p:grpSpPr>
-          <a:xfrm>
-            <a:off x="755576" y="620688"/>
-            <a:ext cx="3600400" cy="1008112"/>
-            <a:chOff x="755576" y="332656"/>
-            <a:chExt cx="3600400" cy="1008112"/>
-          </a:xfrm>
-        </p:grpSpPr>
-        <p:sp>
-          <p:nvSpPr>
-            <p:cNvPr id="52" name="51 Rectángulo redondeado"/>
-            <p:cNvSpPr/>
-            <p:nvPr/>
-          </p:nvSpPr>
-          <p:spPr>
-            <a:xfrm>
-              <a:off x="755576" y="332656"/>
-              <a:ext cx="3600400" cy="1008112"/>
-            </a:xfrm>
-            <a:prstGeom prst="roundRect">
-              <a:avLst>
-                <a:gd name="adj" fmla="val 17938"/>
-              </a:avLst>
-            </a:prstGeom>
-            <a:solidFill>
-              <a:schemeClr val="accent5">
-                <a:lumMod val="20000"/>
-                <a:lumOff val="80000"/>
-              </a:schemeClr>
-            </a:solidFill>
-            <a:ln>
-              <a:prstDash val="sysDash"/>
-            </a:ln>
-          </p:spPr>
-          <p:style>
-            <a:lnRef idx="2">
-              <a:schemeClr val="accent1">
-                <a:shade val="50000"/>
-              </a:schemeClr>
-            </a:lnRef>
-            <a:fillRef idx="1">
-              <a:schemeClr val="accent1"/>
-            </a:fillRef>
-            <a:effectRef idx="0">
-              <a:schemeClr val="accent1"/>
-            </a:effectRef>
-            <a:fontRef idx="minor">
-              <a:schemeClr val="lt1"/>
-            </a:fontRef>
-          </p:style>
-          <p:txBody>
-            <a:bodyPr rtlCol="0" anchor="ctr"/>
-            <a:lstStyle/>
-            <a:p>
-              <a:pPr algn="ctr"/>
-              <a:endParaRPr lang="es-ES"/>
-            </a:p>
-          </p:txBody>
-        </p:sp>
-        <p:sp>
-          <p:nvSpPr>
-            <p:cNvPr id="8" name="7 Rectángulo redondeado"/>
-            <p:cNvSpPr/>
-            <p:nvPr/>
-          </p:nvSpPr>
-          <p:spPr>
-            <a:xfrm>
-              <a:off x="2771800" y="620688"/>
-              <a:ext cx="1296144" cy="425698"/>
-            </a:xfrm>
-            <a:prstGeom prst="roundRect">
-              <a:avLst>
-                <a:gd name="adj" fmla="val 10396"/>
-              </a:avLst>
-            </a:prstGeom>
-          </p:spPr>
-          <p:style>
-            <a:lnRef idx="2">
-              <a:schemeClr val="dk1"/>
-            </a:lnRef>
-            <a:fillRef idx="1">
-              <a:schemeClr val="lt1"/>
-            </a:fillRef>
-            <a:effectRef idx="0">
-              <a:schemeClr val="dk1"/>
-            </a:effectRef>
-            <a:fontRef idx="minor">
-              <a:schemeClr val="dk1"/>
-            </a:fontRef>
-          </p:style>
-          <p:txBody>
-            <a:bodyPr rtlCol="0" anchor="ctr"/>
-            <a:lstStyle/>
-            <a:p>
-              <a:pPr algn="ctr"/>
-              <a:r>
-                <a:rPr lang="es-ES" sz="1200" smtClean="0">
-                  <a:solidFill>
-                    <a:srgbClr val="0070C0"/>
-                  </a:solidFill>
-                </a:rPr>
-                <a:t>Audio:</a:t>
-              </a:r>
-            </a:p>
-            <a:p>
-              <a:pPr algn="ctr"/>
-              <a:r>
-                <a:rPr lang="es-ES" sz="1400" smtClean="0"/>
-                <a:t>OpenAL 1.1</a:t>
-              </a:r>
-              <a:endParaRPr lang="es-ES" sz="1400"/>
-            </a:p>
-          </p:txBody>
-        </p:sp>
-        <p:sp>
-          <p:nvSpPr>
-            <p:cNvPr id="15" name="14 Rectángulo redondeado"/>
-            <p:cNvSpPr/>
-            <p:nvPr/>
-          </p:nvSpPr>
-          <p:spPr>
-            <a:xfrm>
-              <a:off x="971600" y="620688"/>
-              <a:ext cx="1296144" cy="425698"/>
-            </a:xfrm>
-            <a:prstGeom prst="roundRect">
-              <a:avLst>
-                <a:gd name="adj" fmla="val 10396"/>
-              </a:avLst>
-            </a:prstGeom>
-          </p:spPr>
-          <p:style>
-            <a:lnRef idx="2">
-              <a:schemeClr val="dk1"/>
-            </a:lnRef>
-            <a:fillRef idx="1">
-              <a:schemeClr val="lt1"/>
-            </a:fillRef>
-            <a:effectRef idx="0">
-              <a:schemeClr val="dk1"/>
-            </a:effectRef>
-            <a:fontRef idx="minor">
-              <a:schemeClr val="dk1"/>
-            </a:fontRef>
-          </p:style>
-          <p:txBody>
-            <a:bodyPr rtlCol="0" anchor="ctr"/>
-            <a:lstStyle/>
-            <a:p>
-              <a:pPr algn="ctr"/>
-              <a:r>
-                <a:rPr lang="es-ES" sz="1200" smtClean="0">
-                  <a:solidFill>
-                    <a:srgbClr val="0070C0"/>
-                  </a:solidFill>
-                </a:rPr>
-                <a:t>Audio:</a:t>
-              </a:r>
-            </a:p>
-            <a:p>
-              <a:pPr algn="ctr"/>
-              <a:r>
-                <a:rPr lang="es-ES" sz="1400" smtClean="0"/>
-                <a:t>freealut 1.1.0</a:t>
-              </a:r>
-              <a:endParaRPr lang="es-ES" sz="1400"/>
-            </a:p>
-          </p:txBody>
-        </p:sp>
-        <p:cxnSp>
-          <p:nvCxnSpPr>
-            <p:cNvPr id="38" name="37 Conector recto de flecha"/>
-            <p:cNvCxnSpPr>
-              <a:stCxn id="15" idx="3"/>
-              <a:endCxn id="8" idx="1"/>
-            </p:cNvCxnSpPr>
-            <p:nvPr/>
-          </p:nvCxnSpPr>
-          <p:spPr>
-            <a:xfrm>
-              <a:off x="2267744" y="833537"/>
-              <a:ext cx="504056" cy="0"/>
-            </a:xfrm>
-            <a:prstGeom prst="straightConnector1">
-              <a:avLst/>
-            </a:prstGeom>
-            <a:ln w="28575">
-              <a:tailEnd type="arrow"/>
-            </a:ln>
-          </p:spPr>
-          <p:style>
-            <a:lnRef idx="1">
-              <a:schemeClr val="accent1"/>
-            </a:lnRef>
-            <a:fillRef idx="0">
-              <a:schemeClr val="accent1"/>
-            </a:fillRef>
-            <a:effectRef idx="0">
-              <a:schemeClr val="accent1"/>
-            </a:effectRef>
-            <a:fontRef idx="minor">
-              <a:schemeClr val="tx1"/>
-            </a:fontRef>
-          </p:style>
-        </p:cxnSp>
-      </p:grpSp>
       <p:cxnSp>
         <p:nvCxnSpPr>
           <p:cNvPr id="46" name="45 Conector recto de flecha"/>
@@ -3957,7 +3767,7 @@
         </p:nvCxnSpPr>
         <p:spPr>
           <a:xfrm>
-            <a:off x="2267744" y="2489721"/>
+            <a:off x="2267744" y="1262411"/>
             <a:ext cx="504056" cy="0"/>
           </a:xfrm>
           <a:prstGeom prst="straightConnector1">
@@ -3990,7 +3800,7 @@
         </p:nvCxnSpPr>
         <p:spPr>
           <a:xfrm>
-            <a:off x="2267744" y="2636912"/>
+            <a:off x="2267744" y="1409602"/>
             <a:ext cx="504056" cy="432048"/>
           </a:xfrm>
           <a:prstGeom prst="straightConnector1">
@@ -4026,46 +3836,10 @@
         </p:nvCxnSpPr>
         <p:spPr>
           <a:xfrm>
-            <a:off x="2267744" y="3281809"/>
+            <a:off x="2267744" y="2054499"/>
             <a:ext cx="504056" cy="0"/>
           </a:xfrm>
           <a:prstGeom prst="straightConnector1">
-            <a:avLst/>
-          </a:prstGeom>
-          <a:ln w="28575">
-            <a:tailEnd type="arrow"/>
-          </a:ln>
-        </p:spPr>
-        <p:style>
-          <a:lnRef idx="1">
-            <a:schemeClr val="accent1"/>
-          </a:lnRef>
-          <a:fillRef idx="0">
-            <a:schemeClr val="accent1"/>
-          </a:fillRef>
-          <a:effectRef idx="0">
-            <a:schemeClr val="accent1"/>
-          </a:effectRef>
-          <a:fontRef idx="minor">
-            <a:schemeClr val="tx1"/>
-          </a:fontRef>
-        </p:style>
-      </p:cxnSp>
-      <p:cxnSp>
-        <p:nvCxnSpPr>
-          <p:cNvPr id="55" name="54 Forma"/>
-          <p:cNvCxnSpPr>
-            <a:stCxn id="8" idx="3"/>
-            <a:endCxn id="6" idx="0"/>
-          </p:cNvCxnSpPr>
-          <p:nvPr/>
-        </p:nvCxnSpPr>
-        <p:spPr>
-          <a:xfrm>
-            <a:off x="4067944" y="1121569"/>
-            <a:ext cx="1728192" cy="1947391"/>
-          </a:xfrm>
-          <a:prstGeom prst="bentConnector2">
             <a:avLst/>
           </a:prstGeom>
           <a:ln w="28575">
@@ -4095,7 +3869,7 @@
         </p:nvCxnSpPr>
         <p:spPr>
           <a:xfrm>
-            <a:off x="4067944" y="2492896"/>
+            <a:off x="4067944" y="1265586"/>
             <a:ext cx="1440160" cy="576064"/>
           </a:xfrm>
           <a:prstGeom prst="bentConnector3">
@@ -4133,7 +3907,7 @@
         </p:nvCxnSpPr>
         <p:spPr>
           <a:xfrm>
-            <a:off x="4067944" y="3281809"/>
+            <a:off x="4067944" y="2054499"/>
             <a:ext cx="1080120" cy="0"/>
           </a:xfrm>
           <a:prstGeom prst="straightConnector1">
@@ -4168,7 +3942,7 @@
         </p:nvCxnSpPr>
         <p:spPr>
           <a:xfrm flipV="1">
-            <a:off x="3995936" y="3501008"/>
+            <a:off x="3995936" y="2273698"/>
             <a:ext cx="1512168" cy="1076945"/>
           </a:xfrm>
           <a:prstGeom prst="bentConnector3">
@@ -4206,7 +3980,7 @@
         </p:nvCxnSpPr>
         <p:spPr>
           <a:xfrm flipV="1">
-            <a:off x="3995936" y="3494658"/>
+            <a:off x="3995936" y="2267348"/>
             <a:ext cx="1800200" cy="1731367"/>
           </a:xfrm>
           <a:prstGeom prst="bentConnector2">
@@ -4241,7 +4015,7 @@
         </p:nvCxnSpPr>
         <p:spPr>
           <a:xfrm flipV="1">
-            <a:off x="3995936" y="3501008"/>
+            <a:off x="3995936" y="2273698"/>
             <a:ext cx="2088232" cy="2373089"/>
           </a:xfrm>
           <a:prstGeom prst="bentConnector2">
